--- a/Array in c#.pptx
+++ b/Array in c#.pptx
@@ -205,7 +205,7 @@
             <a:fld id="{3D68EAFE-1A11-4E29-8BBF-BBE2FDD3EA8B}" type="datetimeFigureOut">
               <a:rPr lang="en-US" smtClean="0"/>
               <a:pPr/>
-              <a:t>3/11/2014</a:t>
+              <a:t>4/19/2019</a:t>
             </a:fld>
             <a:endParaRPr lang="en-US"/>
           </a:p>
@@ -376,7 +376,7 @@
     </p:spTree>
     <p:extLst>
       <p:ext uri="{BB962C8B-B14F-4D97-AF65-F5344CB8AC3E}">
-        <p14:creationId xmlns="" xmlns:p14="http://schemas.microsoft.com/office/powerpoint/2010/main" val="1633661402"/>
+        <p14:creationId xmlns:p14="http://schemas.microsoft.com/office/powerpoint/2010/main" val="1633661402"/>
       </p:ext>
     </p:extLst>
   </p:cSld>
@@ -1102,7 +1102,7 @@
             <a:fld id="{CF3039C5-8BAE-467F-9E7B-FDDE6AB8FA3E}" type="datetimeFigureOut">
               <a:rPr lang="en-US" smtClean="0"/>
               <a:pPr/>
-              <a:t>3/11/2014</a:t>
+              <a:t>4/19/2019</a:t>
             </a:fld>
             <a:endParaRPr lang="en-US"/>
           </a:p>
@@ -1300,7 +1300,7 @@
             <a:fld id="{CF3039C5-8BAE-467F-9E7B-FDDE6AB8FA3E}" type="datetimeFigureOut">
               <a:rPr lang="en-US" smtClean="0"/>
               <a:pPr/>
-              <a:t>3/11/2014</a:t>
+              <a:t>4/19/2019</a:t>
             </a:fld>
             <a:endParaRPr lang="en-US"/>
           </a:p>
@@ -1487,7 +1487,7 @@
             <a:fld id="{CF3039C5-8BAE-467F-9E7B-FDDE6AB8FA3E}" type="datetimeFigureOut">
               <a:rPr lang="en-US" smtClean="0"/>
               <a:pPr/>
-              <a:t>3/11/2014</a:t>
+              <a:t>4/19/2019</a:t>
             </a:fld>
             <a:endParaRPr lang="en-US"/>
           </a:p>
@@ -1639,7 +1639,7 @@
             <a:fld id="{CF3039C5-8BAE-467F-9E7B-FDDE6AB8FA3E}" type="datetimeFigureOut">
               <a:rPr lang="en-US" smtClean="0"/>
               <a:pPr/>
-              <a:t>3/11/2014</a:t>
+              <a:t>4/19/2019</a:t>
             </a:fld>
             <a:endParaRPr lang="en-US"/>
           </a:p>
@@ -1896,7 +1896,7 @@
             <a:fld id="{CF3039C5-8BAE-467F-9E7B-FDDE6AB8FA3E}" type="datetimeFigureOut">
               <a:rPr lang="en-US" smtClean="0"/>
               <a:pPr/>
-              <a:t>3/11/2014</a:t>
+              <a:t>4/19/2019</a:t>
             </a:fld>
             <a:endParaRPr lang="en-US"/>
           </a:p>
@@ -2307,7 +2307,7 @@
             <a:fld id="{CF3039C5-8BAE-467F-9E7B-FDDE6AB8FA3E}" type="datetimeFigureOut">
               <a:rPr lang="en-US" smtClean="0"/>
               <a:pPr/>
-              <a:t>3/11/2014</a:t>
+              <a:t>4/19/2019</a:t>
             </a:fld>
             <a:endParaRPr lang="en-US"/>
           </a:p>
@@ -2755,7 +2755,7 @@
             <a:fld id="{CF3039C5-8BAE-467F-9E7B-FDDE6AB8FA3E}" type="datetimeFigureOut">
               <a:rPr lang="en-US" smtClean="0"/>
               <a:pPr/>
-              <a:t>3/11/2014</a:t>
+              <a:t>4/19/2019</a:t>
             </a:fld>
             <a:endParaRPr lang="en-US"/>
           </a:p>
@@ -2858,7 +2858,7 @@
             <a:fld id="{CF3039C5-8BAE-467F-9E7B-FDDE6AB8FA3E}" type="datetimeFigureOut">
               <a:rPr lang="en-US" smtClean="0"/>
               <a:pPr/>
-              <a:t>3/11/2014</a:t>
+              <a:t>4/19/2019</a:t>
             </a:fld>
             <a:endParaRPr lang="en-US"/>
           </a:p>
@@ -2981,7 +2981,7 @@
             <a:fld id="{CF3039C5-8BAE-467F-9E7B-FDDE6AB8FA3E}" type="datetimeFigureOut">
               <a:rPr lang="en-US" smtClean="0"/>
               <a:pPr/>
-              <a:t>3/11/2014</a:t>
+              <a:t>4/19/2019</a:t>
             </a:fld>
             <a:endParaRPr lang="en-US"/>
           </a:p>
@@ -3257,7 +3257,7 @@
             <a:fld id="{CF3039C5-8BAE-467F-9E7B-FDDE6AB8FA3E}" type="datetimeFigureOut">
               <a:rPr lang="en-US" smtClean="0"/>
               <a:pPr/>
-              <a:t>3/11/2014</a:t>
+              <a:t>4/19/2019</a:t>
             </a:fld>
             <a:endParaRPr lang="en-US"/>
           </a:p>
@@ -3464,7 +3464,7 @@
             <a:fld id="{CF3039C5-8BAE-467F-9E7B-FDDE6AB8FA3E}" type="datetimeFigureOut">
               <a:rPr lang="en-US" smtClean="0"/>
               <a:pPr/>
-              <a:t>3/11/2014</a:t>
+              <a:t>4/19/2019</a:t>
             </a:fld>
             <a:endParaRPr lang="en-US"/>
           </a:p>
@@ -4575,7 +4575,7 @@
             <a:fld id="{CF3039C5-8BAE-467F-9E7B-FDDE6AB8FA3E}" type="datetimeFigureOut">
               <a:rPr lang="en-US" smtClean="0"/>
               <a:pPr/>
-              <a:t>3/11/2014</a:t>
+              <a:t>4/19/2019</a:t>
             </a:fld>
             <a:endParaRPr lang="en-US"/>
           </a:p>
@@ -5065,14 +5065,7 @@
                 <a:spcPct val="90000"/>
               </a:lnSpc>
             </a:pPr>
-            <a:r>
-              <a:rPr lang="en-US" sz="3600" smtClean="0"/>
-              <a:t>- By Pramit </a:t>
-            </a:r>
-            <a:r>
-              <a:rPr lang="en-US" sz="3600" dirty="0" smtClean="0"/>
-              <a:t>Saha</a:t>
-            </a:r>
+            <a:endParaRPr lang="en-US" sz="3600" dirty="0" smtClean="0"/>
           </a:p>
         </p:txBody>
       </p:sp>
@@ -5188,7 +5181,7 @@
     </p:spTree>
     <p:extLst>
       <p:ext uri="{BB962C8B-B14F-4D97-AF65-F5344CB8AC3E}">
-        <p14:creationId xmlns="" xmlns:p14="http://schemas.microsoft.com/office/powerpoint/2010/main" val="1841201470"/>
+        <p14:creationId xmlns:p14="http://schemas.microsoft.com/office/powerpoint/2010/main" val="1841201470"/>
       </p:ext>
     </p:extLst>
   </p:cSld>
@@ -5300,7 +5293,7 @@
     </p:spTree>
     <p:extLst>
       <p:ext uri="{BB962C8B-B14F-4D97-AF65-F5344CB8AC3E}">
-        <p14:creationId xmlns="" xmlns:p14="http://schemas.microsoft.com/office/powerpoint/2010/main" val="2601755488"/>
+        <p14:creationId xmlns:p14="http://schemas.microsoft.com/office/powerpoint/2010/main" val="2601755488"/>
       </p:ext>
     </p:extLst>
   </p:cSld>
@@ -5450,7 +5443,7 @@
     </p:spTree>
     <p:extLst>
       <p:ext uri="{BB962C8B-B14F-4D97-AF65-F5344CB8AC3E}">
-        <p14:creationId xmlns="" xmlns:p14="http://schemas.microsoft.com/office/powerpoint/2010/main" val="1237581097"/>
+        <p14:creationId xmlns:p14="http://schemas.microsoft.com/office/powerpoint/2010/main" val="1237581097"/>
       </p:ext>
     </p:extLst>
   </p:cSld>
@@ -5546,7 +5539,7 @@
             <a:fld id="{079D554C-00B5-40DD-981D-DC364602618F}" type="datetime1">
               <a:rPr lang="en-US" smtClean="0"/>
               <a:pPr/>
-              <a:t>3/11/2014</a:t>
+              <a:t>4/19/2019</a:t>
             </a:fld>
             <a:endParaRPr lang="en-US"/>
           </a:p>
@@ -5579,7 +5572,7 @@
     </p:spTree>
     <p:extLst>
       <p:ext uri="{BB962C8B-B14F-4D97-AF65-F5344CB8AC3E}">
-        <p14:creationId xmlns="" xmlns:p14="http://schemas.microsoft.com/office/powerpoint/2010/main" val="3346351929"/>
+        <p14:creationId xmlns:p14="http://schemas.microsoft.com/office/powerpoint/2010/main" val="3346351929"/>
       </p:ext>
     </p:extLst>
   </p:cSld>
@@ -7019,7 +7012,7 @@
     </p:spTree>
     <p:extLst>
       <p:ext uri="{BB962C8B-B14F-4D97-AF65-F5344CB8AC3E}">
-        <p14:creationId xmlns="" xmlns:p14="http://schemas.microsoft.com/office/powerpoint/2010/main" val="2930196257"/>
+        <p14:creationId xmlns:p14="http://schemas.microsoft.com/office/powerpoint/2010/main" val="2930196257"/>
       </p:ext>
     </p:extLst>
   </p:cSld>
